--- a/database/db_er_diagram/DB_ER.pptx
+++ b/database/db_er_diagram/DB_ER.pptx
@@ -9505,6 +9505,39 @@
           </a:fontRef>
         </p:style>
       </p:cxnSp>
+      <p:cxnSp>
+        <p:nvCxnSpPr>
+          <p:cNvPr id="50" name="Straight Connector 49"/>
+          <p:cNvCxnSpPr>
+            <a:stCxn id="3" idx="2"/>
+            <a:endCxn id="84" idx="3"/>
+          </p:cNvCxnSpPr>
+          <p:nvPr/>
+        </p:nvCxnSpPr>
+        <p:spPr>
+          <a:xfrm flipH="1">
+            <a:off x="4689304" y="3529584"/>
+            <a:ext cx="2427448" cy="743300"/>
+          </a:xfrm>
+          <a:prstGeom prst="line">
+            <a:avLst/>
+          </a:prstGeom>
+        </p:spPr>
+        <p:style>
+          <a:lnRef idx="1">
+            <a:schemeClr val="accent1"/>
+          </a:lnRef>
+          <a:fillRef idx="0">
+            <a:schemeClr val="accent1"/>
+          </a:fillRef>
+          <a:effectRef idx="0">
+            <a:schemeClr val="accent1"/>
+          </a:effectRef>
+          <a:fontRef idx="minor">
+            <a:schemeClr val="tx1"/>
+          </a:fontRef>
+        </p:style>
+      </p:cxnSp>
     </p:spTree>
     <p:extLst>
       <p:ext uri="{BB962C8B-B14F-4D97-AF65-F5344CB8AC3E}">
